--- a/phil_demo.pptx
+++ b/phil_demo.pptx
@@ -316,7 +316,7 @@
           <a:p>
             <a:fld id="{5BCAD085-E8A6-8845-BD4E-CB4CCA059FC4}" type="datetimeFigureOut">
               <a:rPr lang="en-US" smtClean="0"/>
-              <a:t>11/11/2024</a:t>
+              <a:t>11/20/2024</a:t>
             </a:fld>
             <a:endParaRPr lang="en-US"/>
           </a:p>
@@ -484,7 +484,7 @@
           <a:p>
             <a:fld id="{5BCAD085-E8A6-8845-BD4E-CB4CCA059FC4}" type="datetimeFigureOut">
               <a:rPr lang="en-US" smtClean="0"/>
-              <a:t>11/11/2024</a:t>
+              <a:t>11/20/2024</a:t>
             </a:fld>
             <a:endParaRPr lang="en-US"/>
           </a:p>
@@ -662,7 +662,7 @@
           <a:p>
             <a:fld id="{5BCAD085-E8A6-8845-BD4E-CB4CCA059FC4}" type="datetimeFigureOut">
               <a:rPr lang="en-US" smtClean="0"/>
-              <a:t>11/11/2024</a:t>
+              <a:t>11/20/2024</a:t>
             </a:fld>
             <a:endParaRPr lang="en-US"/>
           </a:p>
@@ -830,7 +830,7 @@
           <a:p>
             <a:fld id="{5BCAD085-E8A6-8845-BD4E-CB4CCA059FC4}" type="datetimeFigureOut">
               <a:rPr lang="en-US" smtClean="0"/>
-              <a:t>11/11/2024</a:t>
+              <a:t>11/20/2024</a:t>
             </a:fld>
             <a:endParaRPr lang="en-US"/>
           </a:p>
@@ -1075,7 +1075,7 @@
           <a:p>
             <a:fld id="{5BCAD085-E8A6-8845-BD4E-CB4CCA059FC4}" type="datetimeFigureOut">
               <a:rPr lang="en-US" smtClean="0"/>
-              <a:t>11/11/2024</a:t>
+              <a:t>11/20/2024</a:t>
             </a:fld>
             <a:endParaRPr lang="en-US"/>
           </a:p>
@@ -1360,7 +1360,7 @@
           <a:p>
             <a:fld id="{5BCAD085-E8A6-8845-BD4E-CB4CCA059FC4}" type="datetimeFigureOut">
               <a:rPr lang="en-US" smtClean="0"/>
-              <a:t>11/11/2024</a:t>
+              <a:t>11/20/2024</a:t>
             </a:fld>
             <a:endParaRPr lang="en-US"/>
           </a:p>
@@ -1779,7 +1779,7 @@
           <a:p>
             <a:fld id="{5BCAD085-E8A6-8845-BD4E-CB4CCA059FC4}" type="datetimeFigureOut">
               <a:rPr lang="en-US" smtClean="0"/>
-              <a:t>11/11/2024</a:t>
+              <a:t>11/20/2024</a:t>
             </a:fld>
             <a:endParaRPr lang="en-US"/>
           </a:p>
@@ -1896,7 +1896,7 @@
           <a:p>
             <a:fld id="{5BCAD085-E8A6-8845-BD4E-CB4CCA059FC4}" type="datetimeFigureOut">
               <a:rPr lang="en-US" smtClean="0"/>
-              <a:t>11/11/2024</a:t>
+              <a:t>11/20/2024</a:t>
             </a:fld>
             <a:endParaRPr lang="en-US"/>
           </a:p>
@@ -1991,7 +1991,7 @@
           <a:p>
             <a:fld id="{5BCAD085-E8A6-8845-BD4E-CB4CCA059FC4}" type="datetimeFigureOut">
               <a:rPr lang="en-US" smtClean="0"/>
-              <a:t>11/11/2024</a:t>
+              <a:t>11/20/2024</a:t>
             </a:fld>
             <a:endParaRPr lang="en-US"/>
           </a:p>
@@ -2266,7 +2266,7 @@
           <a:p>
             <a:fld id="{5BCAD085-E8A6-8845-BD4E-CB4CCA059FC4}" type="datetimeFigureOut">
               <a:rPr lang="en-US" smtClean="0"/>
-              <a:t>11/11/2024</a:t>
+              <a:t>11/20/2024</a:t>
             </a:fld>
             <a:endParaRPr lang="en-US"/>
           </a:p>
@@ -2518,7 +2518,7 @@
           <a:p>
             <a:fld id="{5BCAD085-E8A6-8845-BD4E-CB4CCA059FC4}" type="datetimeFigureOut">
               <a:rPr lang="en-US" smtClean="0"/>
-              <a:t>11/11/2024</a:t>
+              <a:t>11/20/2024</a:t>
             </a:fld>
             <a:endParaRPr lang="en-US"/>
           </a:p>
@@ -2729,7 +2729,7 @@
           <a:p>
             <a:fld id="{5BCAD085-E8A6-8845-BD4E-CB4CCA059FC4}" type="datetimeFigureOut">
               <a:rPr lang="en-US" smtClean="0"/>
-              <a:t>11/11/2024</a:t>
+              <a:t>11/20/2024</a:t>
             </a:fld>
             <a:endParaRPr lang="en-US"/>
           </a:p>
@@ -3616,7 +3616,16 @@
           <a:lstStyle/>
           <a:p>
             <a:r>
-              <a:t>Explores the meaning of philosophy, literally 'love of wisdom', and its vast areas of study.</a:t>
+              <a:rPr dirty="0"/>
+              <a:t>Explores the meaning of philosophy, </a:t>
+            </a:r>
+            <a:r>
+              <a:rPr lang="en-US" dirty="0"/>
+              <a:t>a</a:t>
+            </a:r>
+            <a:r>
+              <a:rPr dirty="0"/>
+              <a:t>nd its vast areas of study.</a:t>
             </a:r>
           </a:p>
         </p:txBody>
